--- a/plan.pptx
+++ b/plan.pptx
@@ -104,6 +104,11 @@
       </a:defRPr>
     </a:lvl9pPr>
   </p:defaultTextStyle>
+  <p:extLst>
+    <p:ext uri="{EFAFB233-063F-42B5-8137-9DF3F51BA10A}">
+      <p15:sldGuideLst xmlns:p15="http://schemas.microsoft.com/office/powerpoint/2012/main"/>
+    </p:ext>
+  </p:extLst>
 </p:presentation>
 </file>
 
@@ -238,7 +243,7 @@
           <a:p>
             <a:fld id="{9D46AF6C-F0AB-4AB4-B37D-ED521383F096}" type="datetimeFigureOut">
               <a:rPr lang="zh-CN" altLang="en-US" smtClean="0"/>
-              <a:t>2023/1/4</a:t>
+              <a:t>2023/1/5</a:t>
             </a:fld>
             <a:endParaRPr lang="zh-CN" altLang="en-US"/>
           </a:p>
@@ -408,7 +413,7 @@
           <a:p>
             <a:fld id="{9D46AF6C-F0AB-4AB4-B37D-ED521383F096}" type="datetimeFigureOut">
               <a:rPr lang="zh-CN" altLang="en-US" smtClean="0"/>
-              <a:t>2023/1/4</a:t>
+              <a:t>2023/1/5</a:t>
             </a:fld>
             <a:endParaRPr lang="zh-CN" altLang="en-US"/>
           </a:p>
@@ -588,7 +593,7 @@
           <a:p>
             <a:fld id="{9D46AF6C-F0AB-4AB4-B37D-ED521383F096}" type="datetimeFigureOut">
               <a:rPr lang="zh-CN" altLang="en-US" smtClean="0"/>
-              <a:t>2023/1/4</a:t>
+              <a:t>2023/1/5</a:t>
             </a:fld>
             <a:endParaRPr lang="zh-CN" altLang="en-US"/>
           </a:p>
@@ -758,7 +763,7 @@
           <a:p>
             <a:fld id="{9D46AF6C-F0AB-4AB4-B37D-ED521383F096}" type="datetimeFigureOut">
               <a:rPr lang="zh-CN" altLang="en-US" smtClean="0"/>
-              <a:t>2023/1/4</a:t>
+              <a:t>2023/1/5</a:t>
             </a:fld>
             <a:endParaRPr lang="zh-CN" altLang="en-US"/>
           </a:p>
@@ -1004,7 +1009,7 @@
           <a:p>
             <a:fld id="{9D46AF6C-F0AB-4AB4-B37D-ED521383F096}" type="datetimeFigureOut">
               <a:rPr lang="zh-CN" altLang="en-US" smtClean="0"/>
-              <a:t>2023/1/4</a:t>
+              <a:t>2023/1/5</a:t>
             </a:fld>
             <a:endParaRPr lang="zh-CN" altLang="en-US"/>
           </a:p>
@@ -1236,7 +1241,7 @@
           <a:p>
             <a:fld id="{9D46AF6C-F0AB-4AB4-B37D-ED521383F096}" type="datetimeFigureOut">
               <a:rPr lang="zh-CN" altLang="en-US" smtClean="0"/>
-              <a:t>2023/1/4</a:t>
+              <a:t>2023/1/5</a:t>
             </a:fld>
             <a:endParaRPr lang="zh-CN" altLang="en-US"/>
           </a:p>
@@ -1603,7 +1608,7 @@
           <a:p>
             <a:fld id="{9D46AF6C-F0AB-4AB4-B37D-ED521383F096}" type="datetimeFigureOut">
               <a:rPr lang="zh-CN" altLang="en-US" smtClean="0"/>
-              <a:t>2023/1/4</a:t>
+              <a:t>2023/1/5</a:t>
             </a:fld>
             <a:endParaRPr lang="zh-CN" altLang="en-US"/>
           </a:p>
@@ -1721,7 +1726,7 @@
           <a:p>
             <a:fld id="{9D46AF6C-F0AB-4AB4-B37D-ED521383F096}" type="datetimeFigureOut">
               <a:rPr lang="zh-CN" altLang="en-US" smtClean="0"/>
-              <a:t>2023/1/4</a:t>
+              <a:t>2023/1/5</a:t>
             </a:fld>
             <a:endParaRPr lang="zh-CN" altLang="en-US"/>
           </a:p>
@@ -1816,7 +1821,7 @@
           <a:p>
             <a:fld id="{9D46AF6C-F0AB-4AB4-B37D-ED521383F096}" type="datetimeFigureOut">
               <a:rPr lang="zh-CN" altLang="en-US" smtClean="0"/>
-              <a:t>2023/1/4</a:t>
+              <a:t>2023/1/5</a:t>
             </a:fld>
             <a:endParaRPr lang="zh-CN" altLang="en-US"/>
           </a:p>
@@ -2093,7 +2098,7 @@
           <a:p>
             <a:fld id="{9D46AF6C-F0AB-4AB4-B37D-ED521383F096}" type="datetimeFigureOut">
               <a:rPr lang="zh-CN" altLang="en-US" smtClean="0"/>
-              <a:t>2023/1/4</a:t>
+              <a:t>2023/1/5</a:t>
             </a:fld>
             <a:endParaRPr lang="zh-CN" altLang="en-US"/>
           </a:p>
@@ -2346,7 +2351,7 @@
           <a:p>
             <a:fld id="{9D46AF6C-F0AB-4AB4-B37D-ED521383F096}" type="datetimeFigureOut">
               <a:rPr lang="zh-CN" altLang="en-US" smtClean="0"/>
-              <a:t>2023/1/4</a:t>
+              <a:t>2023/1/5</a:t>
             </a:fld>
             <a:endParaRPr lang="zh-CN" altLang="en-US"/>
           </a:p>
@@ -2559,7 +2564,7 @@
           <a:p>
             <a:fld id="{9D46AF6C-F0AB-4AB4-B37D-ED521383F096}" type="datetimeFigureOut">
               <a:rPr lang="zh-CN" altLang="en-US" smtClean="0"/>
-              <a:t>2023/1/4</a:t>
+              <a:t>2023/1/5</a:t>
             </a:fld>
             <a:endParaRPr lang="zh-CN" altLang="en-US"/>
           </a:p>
@@ -2964,6 +2969,435 @@
           <a:chExt cx="0" cy="0"/>
         </a:xfrm>
       </p:grpSpPr>
+      <p:sp>
+        <p:nvSpPr>
+          <p:cNvPr id="2" name="矩形 1"/>
+          <p:cNvSpPr/>
+          <p:nvPr/>
+        </p:nvSpPr>
+        <p:spPr>
+          <a:xfrm>
+            <a:off x="0" y="0"/>
+            <a:ext cx="9144000" cy="694944"/>
+          </a:xfrm>
+          <a:prstGeom prst="rect">
+            <a:avLst/>
+          </a:prstGeom>
+          <a:solidFill>
+            <a:schemeClr val="bg2"/>
+          </a:solidFill>
+          <a:ln>
+            <a:noFill/>
+          </a:ln>
+        </p:spPr>
+        <p:style>
+          <a:lnRef idx="2">
+            <a:schemeClr val="accent1">
+              <a:shade val="50000"/>
+            </a:schemeClr>
+          </a:lnRef>
+          <a:fillRef idx="1">
+            <a:schemeClr val="accent1"/>
+          </a:fillRef>
+          <a:effectRef idx="0">
+            <a:schemeClr val="accent1"/>
+          </a:effectRef>
+          <a:fontRef idx="minor">
+            <a:schemeClr val="lt1"/>
+          </a:fontRef>
+        </p:style>
+        <p:txBody>
+          <a:bodyPr rtlCol="0" anchor="ctr"/>
+          <a:lstStyle/>
+          <a:p>
+            <a:pPr algn="ctr"/>
+            <a:endParaRPr lang="zh-CN" altLang="en-US"/>
+          </a:p>
+        </p:txBody>
+      </p:sp>
+      <p:sp>
+        <p:nvSpPr>
+          <p:cNvPr id="3" name="矩形 2"/>
+          <p:cNvSpPr/>
+          <p:nvPr/>
+        </p:nvSpPr>
+        <p:spPr>
+          <a:xfrm>
+            <a:off x="1056707" y="126746"/>
+            <a:ext cx="1119124" cy="441452"/>
+          </a:xfrm>
+          <a:prstGeom prst="rect">
+            <a:avLst/>
+          </a:prstGeom>
+          <a:ln>
+            <a:noFill/>
+          </a:ln>
+        </p:spPr>
+        <p:style>
+          <a:lnRef idx="2">
+            <a:schemeClr val="accent1">
+              <a:shade val="50000"/>
+            </a:schemeClr>
+          </a:lnRef>
+          <a:fillRef idx="1">
+            <a:schemeClr val="accent1"/>
+          </a:fillRef>
+          <a:effectRef idx="0">
+            <a:schemeClr val="accent1"/>
+          </a:effectRef>
+          <a:fontRef idx="minor">
+            <a:schemeClr val="lt1"/>
+          </a:fontRef>
+        </p:style>
+        <p:txBody>
+          <a:bodyPr rtlCol="0" anchor="ctr"/>
+          <a:lstStyle/>
+          <a:p>
+            <a:pPr algn="ctr"/>
+            <a:r>
+              <a:rPr lang="zh-CN" altLang="en-US" dirty="0" smtClean="0"/>
+              <a:t>音乐论坛</a:t>
+            </a:r>
+            <a:endParaRPr lang="zh-CN" altLang="en-US" dirty="0"/>
+          </a:p>
+        </p:txBody>
+      </p:sp>
+      <p:sp>
+        <p:nvSpPr>
+          <p:cNvPr id="4" name="矩形 3"/>
+          <p:cNvSpPr/>
+          <p:nvPr/>
+        </p:nvSpPr>
+        <p:spPr>
+          <a:xfrm>
+            <a:off x="7357066" y="126746"/>
+            <a:ext cx="1207008" cy="441452"/>
+          </a:xfrm>
+          <a:prstGeom prst="rect">
+            <a:avLst/>
+          </a:prstGeom>
+          <a:ln>
+            <a:noFill/>
+          </a:ln>
+        </p:spPr>
+        <p:style>
+          <a:lnRef idx="2">
+            <a:schemeClr val="accent1">
+              <a:shade val="50000"/>
+            </a:schemeClr>
+          </a:lnRef>
+          <a:fillRef idx="1">
+            <a:schemeClr val="accent1"/>
+          </a:fillRef>
+          <a:effectRef idx="0">
+            <a:schemeClr val="accent1"/>
+          </a:effectRef>
+          <a:fontRef idx="minor">
+            <a:schemeClr val="lt1"/>
+          </a:fontRef>
+        </p:style>
+        <p:txBody>
+          <a:bodyPr rtlCol="0" anchor="ctr"/>
+          <a:lstStyle/>
+          <a:p>
+            <a:pPr algn="ctr"/>
+            <a:r>
+              <a:rPr lang="zh-CN" altLang="en-US" dirty="0" smtClean="0"/>
+              <a:t>登录</a:t>
+            </a:r>
+            <a:r>
+              <a:rPr lang="en-US" altLang="zh-CN" dirty="0" smtClean="0"/>
+              <a:t>/</a:t>
+            </a:r>
+            <a:r>
+              <a:rPr lang="zh-CN" altLang="en-US" dirty="0" smtClean="0"/>
+              <a:t>注册</a:t>
+            </a:r>
+            <a:endParaRPr lang="zh-CN" altLang="en-US" dirty="0"/>
+          </a:p>
+        </p:txBody>
+      </p:sp>
+      <p:sp>
+        <p:nvSpPr>
+          <p:cNvPr id="6" name="矩形 5"/>
+          <p:cNvSpPr/>
+          <p:nvPr/>
+        </p:nvSpPr>
+        <p:spPr>
+          <a:xfrm>
+            <a:off x="636760" y="126746"/>
+            <a:ext cx="419947" cy="441452"/>
+          </a:xfrm>
+          <a:prstGeom prst="rect">
+            <a:avLst/>
+          </a:prstGeom>
+          <a:solidFill>
+            <a:schemeClr val="bg1"/>
+          </a:solidFill>
+          <a:ln>
+            <a:noFill/>
+          </a:ln>
+        </p:spPr>
+        <p:style>
+          <a:lnRef idx="2">
+            <a:schemeClr val="accent1">
+              <a:shade val="50000"/>
+            </a:schemeClr>
+          </a:lnRef>
+          <a:fillRef idx="1">
+            <a:schemeClr val="accent1"/>
+          </a:fillRef>
+          <a:effectRef idx="0">
+            <a:schemeClr val="accent1"/>
+          </a:effectRef>
+          <a:fontRef idx="minor">
+            <a:schemeClr val="lt1"/>
+          </a:fontRef>
+        </p:style>
+        <p:txBody>
+          <a:bodyPr rtlCol="0" anchor="ctr"/>
+          <a:lstStyle/>
+          <a:p>
+            <a:pPr algn="ctr"/>
+            <a:endParaRPr lang="zh-CN" altLang="en-US" dirty="0"/>
+          </a:p>
+        </p:txBody>
+      </p:sp>
+      <p:sp>
+        <p:nvSpPr>
+          <p:cNvPr id="7" name="矩形 6"/>
+          <p:cNvSpPr/>
+          <p:nvPr/>
+        </p:nvSpPr>
+        <p:spPr>
+          <a:xfrm>
+            <a:off x="6445135" y="126746"/>
+            <a:ext cx="691164" cy="441452"/>
+          </a:xfrm>
+          <a:prstGeom prst="rect">
+            <a:avLst/>
+          </a:prstGeom>
+          <a:ln>
+            <a:noFill/>
+          </a:ln>
+        </p:spPr>
+        <p:style>
+          <a:lnRef idx="2">
+            <a:schemeClr val="accent1">
+              <a:shade val="50000"/>
+            </a:schemeClr>
+          </a:lnRef>
+          <a:fillRef idx="1">
+            <a:schemeClr val="accent1"/>
+          </a:fillRef>
+          <a:effectRef idx="0">
+            <a:schemeClr val="accent1"/>
+          </a:effectRef>
+          <a:fontRef idx="minor">
+            <a:schemeClr val="lt1"/>
+          </a:fontRef>
+        </p:style>
+        <p:txBody>
+          <a:bodyPr rtlCol="0" anchor="ctr"/>
+          <a:lstStyle/>
+          <a:p>
+            <a:pPr algn="ctr"/>
+            <a:r>
+              <a:rPr lang="zh-CN" altLang="en-US" dirty="0" smtClean="0"/>
+              <a:t>发布</a:t>
+            </a:r>
+            <a:endParaRPr lang="zh-CN" altLang="en-US" dirty="0"/>
+          </a:p>
+        </p:txBody>
+      </p:sp>
+      <p:sp>
+        <p:nvSpPr>
+          <p:cNvPr id="8" name="矩形 7"/>
+          <p:cNvSpPr/>
+          <p:nvPr/>
+        </p:nvSpPr>
+        <p:spPr>
+          <a:xfrm>
+            <a:off x="2396598" y="128671"/>
+            <a:ext cx="691164" cy="441452"/>
+          </a:xfrm>
+          <a:prstGeom prst="rect">
+            <a:avLst/>
+          </a:prstGeom>
+          <a:ln>
+            <a:noFill/>
+          </a:ln>
+        </p:spPr>
+        <p:style>
+          <a:lnRef idx="2">
+            <a:schemeClr val="accent1">
+              <a:shade val="50000"/>
+            </a:schemeClr>
+          </a:lnRef>
+          <a:fillRef idx="1">
+            <a:schemeClr val="accent1"/>
+          </a:fillRef>
+          <a:effectRef idx="0">
+            <a:schemeClr val="accent1"/>
+          </a:effectRef>
+          <a:fontRef idx="minor">
+            <a:schemeClr val="lt1"/>
+          </a:fontRef>
+        </p:style>
+        <p:txBody>
+          <a:bodyPr rtlCol="0" anchor="ctr"/>
+          <a:lstStyle/>
+          <a:p>
+            <a:pPr algn="ctr"/>
+            <a:r>
+              <a:rPr lang="zh-CN" altLang="en-US" dirty="0" smtClean="0"/>
+              <a:t>首页</a:t>
+            </a:r>
+            <a:endParaRPr lang="zh-CN" altLang="en-US" dirty="0"/>
+          </a:p>
+        </p:txBody>
+      </p:sp>
+      <p:sp>
+        <p:nvSpPr>
+          <p:cNvPr id="9" name="矩形 8"/>
+          <p:cNvSpPr/>
+          <p:nvPr/>
+        </p:nvSpPr>
+        <p:spPr>
+          <a:xfrm>
+            <a:off x="3308529" y="126746"/>
+            <a:ext cx="691164" cy="441452"/>
+          </a:xfrm>
+          <a:prstGeom prst="rect">
+            <a:avLst/>
+          </a:prstGeom>
+          <a:ln>
+            <a:noFill/>
+          </a:ln>
+        </p:spPr>
+        <p:style>
+          <a:lnRef idx="2">
+            <a:schemeClr val="accent1">
+              <a:shade val="50000"/>
+            </a:schemeClr>
+          </a:lnRef>
+          <a:fillRef idx="1">
+            <a:schemeClr val="accent1"/>
+          </a:fillRef>
+          <a:effectRef idx="0">
+            <a:schemeClr val="accent1"/>
+          </a:effectRef>
+          <a:fontRef idx="minor">
+            <a:schemeClr val="lt1"/>
+          </a:fontRef>
+        </p:style>
+        <p:txBody>
+          <a:bodyPr rtlCol="0" anchor="ctr"/>
+          <a:lstStyle/>
+          <a:p>
+            <a:pPr algn="ctr"/>
+            <a:r>
+              <a:rPr lang="zh-CN" altLang="en-US" dirty="0" smtClean="0"/>
+              <a:t>古典</a:t>
+            </a:r>
+            <a:endParaRPr lang="zh-CN" altLang="en-US" dirty="0"/>
+          </a:p>
+        </p:txBody>
+      </p:sp>
+      <p:sp>
+        <p:nvSpPr>
+          <p:cNvPr id="10" name="矩形 9"/>
+          <p:cNvSpPr/>
+          <p:nvPr/>
+        </p:nvSpPr>
+        <p:spPr>
+          <a:xfrm>
+            <a:off x="4220460" y="126746"/>
+            <a:ext cx="691164" cy="441452"/>
+          </a:xfrm>
+          <a:prstGeom prst="rect">
+            <a:avLst/>
+          </a:prstGeom>
+          <a:ln>
+            <a:noFill/>
+          </a:ln>
+        </p:spPr>
+        <p:style>
+          <a:lnRef idx="2">
+            <a:schemeClr val="accent1">
+              <a:shade val="50000"/>
+            </a:schemeClr>
+          </a:lnRef>
+          <a:fillRef idx="1">
+            <a:schemeClr val="accent1"/>
+          </a:fillRef>
+          <a:effectRef idx="0">
+            <a:schemeClr val="accent1"/>
+          </a:effectRef>
+          <a:fontRef idx="minor">
+            <a:schemeClr val="lt1"/>
+          </a:fontRef>
+        </p:style>
+        <p:txBody>
+          <a:bodyPr rtlCol="0" anchor="ctr"/>
+          <a:lstStyle/>
+          <a:p>
+            <a:pPr algn="ctr"/>
+            <a:r>
+              <a:rPr lang="zh-CN" altLang="en-US" dirty="0" smtClean="0"/>
+              <a:t>流行</a:t>
+            </a:r>
+            <a:endParaRPr lang="zh-CN" altLang="en-US" dirty="0"/>
+          </a:p>
+        </p:txBody>
+      </p:sp>
+      <p:sp>
+        <p:nvSpPr>
+          <p:cNvPr id="11" name="矩形 10"/>
+          <p:cNvSpPr/>
+          <p:nvPr/>
+        </p:nvSpPr>
+        <p:spPr>
+          <a:xfrm>
+            <a:off x="5132391" y="126746"/>
+            <a:ext cx="691164" cy="441452"/>
+          </a:xfrm>
+          <a:prstGeom prst="rect">
+            <a:avLst/>
+          </a:prstGeom>
+          <a:ln>
+            <a:noFill/>
+          </a:ln>
+        </p:spPr>
+        <p:style>
+          <a:lnRef idx="2">
+            <a:schemeClr val="accent1">
+              <a:shade val="50000"/>
+            </a:schemeClr>
+          </a:lnRef>
+          <a:fillRef idx="1">
+            <a:schemeClr val="accent1"/>
+          </a:fillRef>
+          <a:effectRef idx="0">
+            <a:schemeClr val="accent1"/>
+          </a:effectRef>
+          <a:fontRef idx="minor">
+            <a:schemeClr val="lt1"/>
+          </a:fontRef>
+        </p:style>
+        <p:txBody>
+          <a:bodyPr rtlCol="0" anchor="ctr"/>
+          <a:lstStyle/>
+          <a:p>
+            <a:pPr algn="ctr"/>
+            <a:r>
+              <a:rPr lang="zh-CN" altLang="en-US" dirty="0" smtClean="0"/>
+              <a:t>考研</a:t>
+            </a:r>
+            <a:endParaRPr lang="zh-CN" altLang="en-US" dirty="0"/>
+          </a:p>
+        </p:txBody>
+      </p:sp>
     </p:spTree>
     <p:extLst>
       <p:ext uri="{BB962C8B-B14F-4D97-AF65-F5344CB8AC3E}">

--- a/plan.pptx
+++ b/plan.pptx
@@ -6,6 +6,7 @@
   </p:sldMasterIdLst>
   <p:sldIdLst>
     <p:sldId id="256" r:id="rId2"/>
+    <p:sldId id="257" r:id="rId3"/>
   </p:sldIdLst>
   <p:sldSz cx="9144000" cy="6858000" type="screen4x3"/>
   <p:notesSz cx="6858000" cy="9144000"/>
@@ -243,7 +244,7 @@
           <a:p>
             <a:fld id="{9D46AF6C-F0AB-4AB4-B37D-ED521383F096}" type="datetimeFigureOut">
               <a:rPr lang="zh-CN" altLang="en-US" smtClean="0"/>
-              <a:t>2023/1/5</a:t>
+              <a:t>2023/1/7</a:t>
             </a:fld>
             <a:endParaRPr lang="zh-CN" altLang="en-US"/>
           </a:p>
@@ -413,7 +414,7 @@
           <a:p>
             <a:fld id="{9D46AF6C-F0AB-4AB4-B37D-ED521383F096}" type="datetimeFigureOut">
               <a:rPr lang="zh-CN" altLang="en-US" smtClean="0"/>
-              <a:t>2023/1/5</a:t>
+              <a:t>2023/1/7</a:t>
             </a:fld>
             <a:endParaRPr lang="zh-CN" altLang="en-US"/>
           </a:p>
@@ -593,7 +594,7 @@
           <a:p>
             <a:fld id="{9D46AF6C-F0AB-4AB4-B37D-ED521383F096}" type="datetimeFigureOut">
               <a:rPr lang="zh-CN" altLang="en-US" smtClean="0"/>
-              <a:t>2023/1/5</a:t>
+              <a:t>2023/1/7</a:t>
             </a:fld>
             <a:endParaRPr lang="zh-CN" altLang="en-US"/>
           </a:p>
@@ -763,7 +764,7 @@
           <a:p>
             <a:fld id="{9D46AF6C-F0AB-4AB4-B37D-ED521383F096}" type="datetimeFigureOut">
               <a:rPr lang="zh-CN" altLang="en-US" smtClean="0"/>
-              <a:t>2023/1/5</a:t>
+              <a:t>2023/1/7</a:t>
             </a:fld>
             <a:endParaRPr lang="zh-CN" altLang="en-US"/>
           </a:p>
@@ -1009,7 +1010,7 @@
           <a:p>
             <a:fld id="{9D46AF6C-F0AB-4AB4-B37D-ED521383F096}" type="datetimeFigureOut">
               <a:rPr lang="zh-CN" altLang="en-US" smtClean="0"/>
-              <a:t>2023/1/5</a:t>
+              <a:t>2023/1/7</a:t>
             </a:fld>
             <a:endParaRPr lang="zh-CN" altLang="en-US"/>
           </a:p>
@@ -1241,7 +1242,7 @@
           <a:p>
             <a:fld id="{9D46AF6C-F0AB-4AB4-B37D-ED521383F096}" type="datetimeFigureOut">
               <a:rPr lang="zh-CN" altLang="en-US" smtClean="0"/>
-              <a:t>2023/1/5</a:t>
+              <a:t>2023/1/7</a:t>
             </a:fld>
             <a:endParaRPr lang="zh-CN" altLang="en-US"/>
           </a:p>
@@ -1608,7 +1609,7 @@
           <a:p>
             <a:fld id="{9D46AF6C-F0AB-4AB4-B37D-ED521383F096}" type="datetimeFigureOut">
               <a:rPr lang="zh-CN" altLang="en-US" smtClean="0"/>
-              <a:t>2023/1/5</a:t>
+              <a:t>2023/1/7</a:t>
             </a:fld>
             <a:endParaRPr lang="zh-CN" altLang="en-US"/>
           </a:p>
@@ -1726,7 +1727,7 @@
           <a:p>
             <a:fld id="{9D46AF6C-F0AB-4AB4-B37D-ED521383F096}" type="datetimeFigureOut">
               <a:rPr lang="zh-CN" altLang="en-US" smtClean="0"/>
-              <a:t>2023/1/5</a:t>
+              <a:t>2023/1/7</a:t>
             </a:fld>
             <a:endParaRPr lang="zh-CN" altLang="en-US"/>
           </a:p>
@@ -1821,7 +1822,7 @@
           <a:p>
             <a:fld id="{9D46AF6C-F0AB-4AB4-B37D-ED521383F096}" type="datetimeFigureOut">
               <a:rPr lang="zh-CN" altLang="en-US" smtClean="0"/>
-              <a:t>2023/1/5</a:t>
+              <a:t>2023/1/7</a:t>
             </a:fld>
             <a:endParaRPr lang="zh-CN" altLang="en-US"/>
           </a:p>
@@ -2098,7 +2099,7 @@
           <a:p>
             <a:fld id="{9D46AF6C-F0AB-4AB4-B37D-ED521383F096}" type="datetimeFigureOut">
               <a:rPr lang="zh-CN" altLang="en-US" smtClean="0"/>
-              <a:t>2023/1/5</a:t>
+              <a:t>2023/1/7</a:t>
             </a:fld>
             <a:endParaRPr lang="zh-CN" altLang="en-US"/>
           </a:p>
@@ -2351,7 +2352,7 @@
           <a:p>
             <a:fld id="{9D46AF6C-F0AB-4AB4-B37D-ED521383F096}" type="datetimeFigureOut">
               <a:rPr lang="zh-CN" altLang="en-US" smtClean="0"/>
-              <a:t>2023/1/5</a:t>
+              <a:t>2023/1/7</a:t>
             </a:fld>
             <a:endParaRPr lang="zh-CN" altLang="en-US"/>
           </a:p>
@@ -2564,7 +2565,7 @@
           <a:p>
             <a:fld id="{9D46AF6C-F0AB-4AB4-B37D-ED521383F096}" type="datetimeFigureOut">
               <a:rPr lang="zh-CN" altLang="en-US" smtClean="0"/>
-              <a:t>2023/1/5</a:t>
+              <a:t>2023/1/7</a:t>
             </a:fld>
             <a:endParaRPr lang="zh-CN" altLang="en-US"/>
           </a:p>
@@ -2984,7 +2985,7 @@
             <a:avLst/>
           </a:prstGeom>
           <a:solidFill>
-            <a:schemeClr val="bg2"/>
+            <a:schemeClr val="accent1"/>
           </a:solidFill>
           <a:ln>
             <a:noFill/>
@@ -3023,8 +3024,8 @@
         </p:nvSpPr>
         <p:spPr>
           <a:xfrm>
-            <a:off x="1056707" y="126746"/>
-            <a:ext cx="1119124" cy="441452"/>
+            <a:off x="351968" y="126746"/>
+            <a:ext cx="1423049" cy="441452"/>
           </a:xfrm>
           <a:prstGeom prst="rect">
             <a:avLst/>
@@ -3055,10 +3056,10 @@
           <a:p>
             <a:pPr algn="ctr"/>
             <a:r>
-              <a:rPr lang="zh-CN" altLang="en-US" dirty="0" smtClean="0"/>
+              <a:rPr lang="zh-CN" altLang="en-US" sz="2400" dirty="0" smtClean="0"/>
               <a:t>音乐论坛</a:t>
             </a:r>
-            <a:endParaRPr lang="zh-CN" altLang="en-US" dirty="0"/>
+            <a:endParaRPr lang="zh-CN" altLang="en-US" sz="2400" dirty="0"/>
           </a:p>
         </p:txBody>
       </p:sp>
@@ -3070,7 +3071,7 @@
         </p:nvSpPr>
         <p:spPr>
           <a:xfrm>
-            <a:off x="7357066" y="126746"/>
+            <a:off x="7674566" y="126746"/>
             <a:ext cx="1207008" cy="441452"/>
           </a:xfrm>
           <a:prstGeom prst="rect">
@@ -3119,21 +3120,18 @@
       </p:sp>
       <p:sp>
         <p:nvSpPr>
-          <p:cNvPr id="6" name="矩形 5"/>
+          <p:cNvPr id="7" name="矩形 6"/>
           <p:cNvSpPr/>
           <p:nvPr/>
         </p:nvSpPr>
         <p:spPr>
           <a:xfrm>
-            <a:off x="636760" y="126746"/>
-            <a:ext cx="419947" cy="441452"/>
+            <a:off x="6983402" y="126746"/>
+            <a:ext cx="691164" cy="441452"/>
           </a:xfrm>
           <a:prstGeom prst="rect">
             <a:avLst/>
           </a:prstGeom>
-          <a:solidFill>
-            <a:schemeClr val="bg1"/>
-          </a:solidFill>
           <a:ln>
             <a:noFill/>
           </a:ln>
@@ -3159,19 +3157,23 @@
           <a:lstStyle/>
           <a:p>
             <a:pPr algn="ctr"/>
+            <a:r>
+              <a:rPr lang="zh-CN" altLang="en-US" dirty="0" smtClean="0"/>
+              <a:t>发布</a:t>
+            </a:r>
             <a:endParaRPr lang="zh-CN" altLang="en-US" dirty="0"/>
           </a:p>
         </p:txBody>
       </p:sp>
       <p:sp>
         <p:nvSpPr>
-          <p:cNvPr id="7" name="矩形 6"/>
+          <p:cNvPr id="8" name="矩形 7"/>
           <p:cNvSpPr/>
           <p:nvPr/>
         </p:nvSpPr>
         <p:spPr>
           <a:xfrm>
-            <a:off x="6445135" y="126746"/>
+            <a:off x="1995784" y="128671"/>
             <a:ext cx="691164" cy="441452"/>
           </a:xfrm>
           <a:prstGeom prst="rect">
@@ -3204,7 +3206,7 @@
             <a:pPr algn="ctr"/>
             <a:r>
               <a:rPr lang="zh-CN" altLang="en-US" dirty="0" smtClean="0"/>
-              <a:t>发布</a:t>
+              <a:t>首页</a:t>
             </a:r>
             <a:endParaRPr lang="zh-CN" altLang="en-US" dirty="0"/>
           </a:p>
@@ -3212,13 +3214,13 @@
       </p:sp>
       <p:sp>
         <p:nvSpPr>
-          <p:cNvPr id="8" name="矩形 7"/>
+          <p:cNvPr id="9" name="矩形 8"/>
           <p:cNvSpPr/>
           <p:nvPr/>
         </p:nvSpPr>
         <p:spPr>
           <a:xfrm>
-            <a:off x="2396598" y="128671"/>
+            <a:off x="2907715" y="126746"/>
             <a:ext cx="691164" cy="441452"/>
           </a:xfrm>
           <a:prstGeom prst="rect">
@@ -3251,7 +3253,7 @@
             <a:pPr algn="ctr"/>
             <a:r>
               <a:rPr lang="zh-CN" altLang="en-US" dirty="0" smtClean="0"/>
-              <a:t>首页</a:t>
+              <a:t>古典</a:t>
             </a:r>
             <a:endParaRPr lang="zh-CN" altLang="en-US" dirty="0"/>
           </a:p>
@@ -3259,13 +3261,13 @@
       </p:sp>
       <p:sp>
         <p:nvSpPr>
-          <p:cNvPr id="9" name="矩形 8"/>
+          <p:cNvPr id="10" name="矩形 9"/>
           <p:cNvSpPr/>
           <p:nvPr/>
         </p:nvSpPr>
         <p:spPr>
           <a:xfrm>
-            <a:off x="3308529" y="126746"/>
+            <a:off x="3819646" y="126746"/>
             <a:ext cx="691164" cy="441452"/>
           </a:xfrm>
           <a:prstGeom prst="rect">
@@ -3298,7 +3300,7 @@
             <a:pPr algn="ctr"/>
             <a:r>
               <a:rPr lang="zh-CN" altLang="en-US" dirty="0" smtClean="0"/>
-              <a:t>古典</a:t>
+              <a:t>流行</a:t>
             </a:r>
             <a:endParaRPr lang="zh-CN" altLang="en-US" dirty="0"/>
           </a:p>
@@ -3306,13 +3308,13 @@
       </p:sp>
       <p:sp>
         <p:nvSpPr>
-          <p:cNvPr id="10" name="矩形 9"/>
+          <p:cNvPr id="11" name="矩形 10"/>
           <p:cNvSpPr/>
           <p:nvPr/>
         </p:nvSpPr>
         <p:spPr>
           <a:xfrm>
-            <a:off x="4220460" y="126746"/>
+            <a:off x="4731577" y="126746"/>
             <a:ext cx="691164" cy="441452"/>
           </a:xfrm>
           <a:prstGeom prst="rect">
@@ -3345,7 +3347,7 @@
             <a:pPr algn="ctr"/>
             <a:r>
               <a:rPr lang="zh-CN" altLang="en-US" dirty="0" smtClean="0"/>
-              <a:t>流行</a:t>
+              <a:t>考研</a:t>
             </a:r>
             <a:endParaRPr lang="zh-CN" altLang="en-US" dirty="0"/>
           </a:p>
@@ -3353,18 +3355,21 @@
       </p:sp>
       <p:sp>
         <p:nvSpPr>
-          <p:cNvPr id="11" name="矩形 10"/>
+          <p:cNvPr id="5" name="矩形 4"/>
           <p:cNvSpPr/>
           <p:nvPr/>
         </p:nvSpPr>
         <p:spPr>
           <a:xfrm>
-            <a:off x="5132391" y="126746"/>
-            <a:ext cx="691164" cy="441452"/>
+            <a:off x="2125466" y="595630"/>
+            <a:ext cx="431800" cy="45719"/>
           </a:xfrm>
           <a:prstGeom prst="rect">
             <a:avLst/>
           </a:prstGeom>
+          <a:solidFill>
+            <a:schemeClr val="bg1"/>
+          </a:solidFill>
           <a:ln>
             <a:noFill/>
           </a:ln>
@@ -3390,11 +3395,490 @@
           <a:lstStyle/>
           <a:p>
             <a:pPr algn="ctr"/>
+            <a:endParaRPr lang="zh-CN" altLang="en-US"/>
+          </a:p>
+        </p:txBody>
+      </p:sp>
+      <p:sp>
+        <p:nvSpPr>
+          <p:cNvPr id="12" name="矩形 11"/>
+          <p:cNvSpPr/>
+          <p:nvPr/>
+        </p:nvSpPr>
+        <p:spPr>
+          <a:xfrm>
+            <a:off x="1051560" y="724260"/>
+            <a:ext cx="6623006" cy="5365644"/>
+          </a:xfrm>
+          <a:prstGeom prst="rect">
+            <a:avLst/>
+          </a:prstGeom>
+          <a:solidFill>
+            <a:schemeClr val="bg1"/>
+          </a:solidFill>
+          <a:ln>
+            <a:solidFill>
+              <a:schemeClr val="bg1">
+                <a:lumMod val="85000"/>
+              </a:schemeClr>
+            </a:solidFill>
+          </a:ln>
+        </p:spPr>
+        <p:style>
+          <a:lnRef idx="2">
+            <a:schemeClr val="accent1">
+              <a:shade val="50000"/>
+            </a:schemeClr>
+          </a:lnRef>
+          <a:fillRef idx="1">
+            <a:schemeClr val="accent1"/>
+          </a:fillRef>
+          <a:effectRef idx="0">
+            <a:schemeClr val="accent1"/>
+          </a:effectRef>
+          <a:fontRef idx="minor">
+            <a:schemeClr val="lt1"/>
+          </a:fontRef>
+        </p:style>
+        <p:txBody>
+          <a:bodyPr rtlCol="0" anchor="ctr"/>
+          <a:lstStyle/>
+          <a:p>
+            <a:pPr algn="ctr"/>
+            <a:endParaRPr lang="zh-CN" altLang="en-US"/>
+          </a:p>
+        </p:txBody>
+      </p:sp>
+      <p:sp>
+        <p:nvSpPr>
+          <p:cNvPr id="13" name="矩形 12"/>
+          <p:cNvSpPr/>
+          <p:nvPr/>
+        </p:nvSpPr>
+        <p:spPr>
+          <a:xfrm>
+            <a:off x="1051560" y="724260"/>
+            <a:ext cx="6623006" cy="1208172"/>
+          </a:xfrm>
+          <a:prstGeom prst="rect">
+            <a:avLst/>
+          </a:prstGeom>
+          <a:solidFill>
+            <a:schemeClr val="bg1"/>
+          </a:solidFill>
+          <a:ln>
+            <a:solidFill>
+              <a:schemeClr val="bg1">
+                <a:lumMod val="85000"/>
+              </a:schemeClr>
+            </a:solidFill>
+          </a:ln>
+        </p:spPr>
+        <p:style>
+          <a:lnRef idx="2">
+            <a:schemeClr val="accent1">
+              <a:shade val="50000"/>
+            </a:schemeClr>
+          </a:lnRef>
+          <a:fillRef idx="1">
+            <a:schemeClr val="accent1"/>
+          </a:fillRef>
+          <a:effectRef idx="0">
+            <a:schemeClr val="accent1"/>
+          </a:effectRef>
+          <a:fontRef idx="minor">
+            <a:schemeClr val="lt1"/>
+          </a:fontRef>
+        </p:style>
+        <p:txBody>
+          <a:bodyPr rtlCol="0" anchor="ctr"/>
+          <a:lstStyle/>
+          <a:p>
+            <a:pPr algn="ctr"/>
+            <a:endParaRPr lang="zh-CN" altLang="en-US" dirty="0"/>
+          </a:p>
+        </p:txBody>
+      </p:sp>
+      <p:sp>
+        <p:nvSpPr>
+          <p:cNvPr id="14" name="矩形 13"/>
+          <p:cNvSpPr/>
+          <p:nvPr/>
+        </p:nvSpPr>
+        <p:spPr>
+          <a:xfrm>
+            <a:off x="1051560" y="1932432"/>
+            <a:ext cx="6623006" cy="1208172"/>
+          </a:xfrm>
+          <a:prstGeom prst="rect">
+            <a:avLst/>
+          </a:prstGeom>
+          <a:solidFill>
+            <a:schemeClr val="bg1"/>
+          </a:solidFill>
+          <a:ln>
+            <a:solidFill>
+              <a:schemeClr val="bg1">
+                <a:lumMod val="85000"/>
+              </a:schemeClr>
+            </a:solidFill>
+          </a:ln>
+        </p:spPr>
+        <p:style>
+          <a:lnRef idx="2">
+            <a:schemeClr val="accent1">
+              <a:shade val="50000"/>
+            </a:schemeClr>
+          </a:lnRef>
+          <a:fillRef idx="1">
+            <a:schemeClr val="accent1"/>
+          </a:fillRef>
+          <a:effectRef idx="0">
+            <a:schemeClr val="accent1"/>
+          </a:effectRef>
+          <a:fontRef idx="minor">
+            <a:schemeClr val="lt1"/>
+          </a:fontRef>
+        </p:style>
+        <p:txBody>
+          <a:bodyPr rtlCol="0" anchor="ctr"/>
+          <a:lstStyle/>
+          <a:p>
+            <a:pPr algn="ctr"/>
+            <a:endParaRPr lang="zh-CN" altLang="en-US"/>
+          </a:p>
+        </p:txBody>
+      </p:sp>
+      <p:sp>
+        <p:nvSpPr>
+          <p:cNvPr id="15" name="矩形 14"/>
+          <p:cNvSpPr/>
+          <p:nvPr/>
+        </p:nvSpPr>
+        <p:spPr>
+          <a:xfrm>
+            <a:off x="1051560" y="3140604"/>
+            <a:ext cx="6623006" cy="1208172"/>
+          </a:xfrm>
+          <a:prstGeom prst="rect">
+            <a:avLst/>
+          </a:prstGeom>
+          <a:solidFill>
+            <a:schemeClr val="bg1"/>
+          </a:solidFill>
+          <a:ln>
+            <a:solidFill>
+              <a:schemeClr val="bg1">
+                <a:lumMod val="85000"/>
+              </a:schemeClr>
+            </a:solidFill>
+          </a:ln>
+        </p:spPr>
+        <p:style>
+          <a:lnRef idx="2">
+            <a:schemeClr val="accent1">
+              <a:shade val="50000"/>
+            </a:schemeClr>
+          </a:lnRef>
+          <a:fillRef idx="1">
+            <a:schemeClr val="accent1"/>
+          </a:fillRef>
+          <a:effectRef idx="0">
+            <a:schemeClr val="accent1"/>
+          </a:effectRef>
+          <a:fontRef idx="minor">
+            <a:schemeClr val="lt1"/>
+          </a:fontRef>
+        </p:style>
+        <p:txBody>
+          <a:bodyPr rtlCol="0" anchor="ctr"/>
+          <a:lstStyle/>
+          <a:p>
+            <a:pPr algn="ctr"/>
+            <a:endParaRPr lang="zh-CN" altLang="en-US"/>
+          </a:p>
+        </p:txBody>
+      </p:sp>
+      <p:sp>
+        <p:nvSpPr>
+          <p:cNvPr id="16" name="文本框 15"/>
+          <p:cNvSpPr txBox="1"/>
+          <p:nvPr/>
+        </p:nvSpPr>
+        <p:spPr>
+          <a:xfrm>
+            <a:off x="1051560" y="724260"/>
+            <a:ext cx="1851789" cy="369332"/>
+          </a:xfrm>
+          <a:prstGeom prst="rect">
+            <a:avLst/>
+          </a:prstGeom>
+          <a:noFill/>
+        </p:spPr>
+        <p:txBody>
+          <a:bodyPr wrap="none" rtlCol="0">
+            <a:spAutoFit/>
+          </a:bodyPr>
+          <a:lstStyle/>
+          <a:p>
+            <a:r>
+              <a:rPr lang="en-US" altLang="zh-CN" b="1" dirty="0" smtClean="0"/>
+              <a:t>2023</a:t>
+            </a:r>
+            <a:r>
+              <a:rPr lang="zh-CN" altLang="en-US" b="1" dirty="0" smtClean="0"/>
+              <a:t>年即将开始</a:t>
+            </a:r>
+            <a:endParaRPr lang="zh-CN" altLang="en-US" b="1" dirty="0"/>
+          </a:p>
+        </p:txBody>
+      </p:sp>
+      <p:sp>
+        <p:nvSpPr>
+          <p:cNvPr id="17" name="文本框 16"/>
+          <p:cNvSpPr txBox="1"/>
+          <p:nvPr/>
+        </p:nvSpPr>
+        <p:spPr>
+          <a:xfrm>
+            <a:off x="1051560" y="1100034"/>
+            <a:ext cx="877163" cy="369332"/>
+          </a:xfrm>
+          <a:prstGeom prst="rect">
+            <a:avLst/>
+          </a:prstGeom>
+          <a:noFill/>
+        </p:spPr>
+        <p:txBody>
+          <a:bodyPr wrap="none" rtlCol="0">
+            <a:spAutoFit/>
+          </a:bodyPr>
+          <a:lstStyle/>
+          <a:p>
             <a:r>
               <a:rPr lang="zh-CN" altLang="en-US" dirty="0" smtClean="0"/>
-              <a:t>考研</a:t>
+              <a:t>回答：</a:t>
             </a:r>
             <a:endParaRPr lang="zh-CN" altLang="en-US" dirty="0"/>
+          </a:p>
+        </p:txBody>
+      </p:sp>
+      <p:sp>
+        <p:nvSpPr>
+          <p:cNvPr id="19" name="矩形 18"/>
+          <p:cNvSpPr/>
+          <p:nvPr/>
+        </p:nvSpPr>
+        <p:spPr>
+          <a:xfrm>
+            <a:off x="1144695" y="1592075"/>
+            <a:ext cx="721552" cy="289560"/>
+          </a:xfrm>
+          <a:prstGeom prst="rect">
+            <a:avLst/>
+          </a:prstGeom>
+          <a:solidFill>
+            <a:schemeClr val="accent1">
+              <a:lumMod val="20000"/>
+              <a:lumOff val="80000"/>
+            </a:schemeClr>
+          </a:solidFill>
+          <a:ln>
+            <a:noFill/>
+          </a:ln>
+        </p:spPr>
+        <p:style>
+          <a:lnRef idx="2">
+            <a:schemeClr val="accent1">
+              <a:shade val="50000"/>
+            </a:schemeClr>
+          </a:lnRef>
+          <a:fillRef idx="1">
+            <a:schemeClr val="accent1"/>
+          </a:fillRef>
+          <a:effectRef idx="0">
+            <a:schemeClr val="accent1"/>
+          </a:effectRef>
+          <a:fontRef idx="minor">
+            <a:schemeClr val="lt1"/>
+          </a:fontRef>
+        </p:style>
+        <p:txBody>
+          <a:bodyPr rtlCol="0" anchor="ctr"/>
+          <a:lstStyle/>
+          <a:p>
+            <a:pPr algn="ctr"/>
+            <a:endParaRPr lang="zh-CN" altLang="en-US"/>
+          </a:p>
+        </p:txBody>
+      </p:sp>
+      <p:sp>
+        <p:nvSpPr>
+          <p:cNvPr id="20" name="文本框 19"/>
+          <p:cNvSpPr txBox="1"/>
+          <p:nvPr/>
+        </p:nvSpPr>
+        <p:spPr>
+          <a:xfrm>
+            <a:off x="1272074" y="1606050"/>
+            <a:ext cx="466794" cy="261610"/>
+          </a:xfrm>
+          <a:prstGeom prst="rect">
+            <a:avLst/>
+          </a:prstGeom>
+          <a:noFill/>
+        </p:spPr>
+        <p:txBody>
+          <a:bodyPr wrap="none" rtlCol="0">
+            <a:spAutoFit/>
+          </a:bodyPr>
+          <a:lstStyle/>
+          <a:p>
+            <a:r>
+              <a:rPr lang="zh-CN" altLang="en-US" sz="1100" dirty="0">
+                <a:solidFill>
+                  <a:schemeClr val="accent1"/>
+                </a:solidFill>
+              </a:rPr>
+              <a:t>喜欢</a:t>
+            </a:r>
+          </a:p>
+        </p:txBody>
+      </p:sp>
+      <p:sp>
+        <p:nvSpPr>
+          <p:cNvPr id="21" name="矩形 20"/>
+          <p:cNvSpPr/>
+          <p:nvPr/>
+        </p:nvSpPr>
+        <p:spPr>
+          <a:xfrm>
+            <a:off x="1937367" y="1592075"/>
+            <a:ext cx="289367" cy="289560"/>
+          </a:xfrm>
+          <a:prstGeom prst="rect">
+            <a:avLst/>
+          </a:prstGeom>
+          <a:solidFill>
+            <a:schemeClr val="accent1">
+              <a:lumMod val="20000"/>
+              <a:lumOff val="80000"/>
+            </a:schemeClr>
+          </a:solidFill>
+          <a:ln>
+            <a:noFill/>
+          </a:ln>
+        </p:spPr>
+        <p:style>
+          <a:lnRef idx="2">
+            <a:schemeClr val="accent1">
+              <a:shade val="50000"/>
+            </a:schemeClr>
+          </a:lnRef>
+          <a:fillRef idx="1">
+            <a:schemeClr val="accent1"/>
+          </a:fillRef>
+          <a:effectRef idx="0">
+            <a:schemeClr val="accent1"/>
+          </a:effectRef>
+          <a:fontRef idx="minor">
+            <a:schemeClr val="lt1"/>
+          </a:fontRef>
+        </p:style>
+        <p:txBody>
+          <a:bodyPr rtlCol="0" anchor="ctr"/>
+          <a:lstStyle/>
+          <a:p>
+            <a:pPr algn="ctr"/>
+            <a:endParaRPr lang="zh-CN" altLang="en-US"/>
+          </a:p>
+        </p:txBody>
+      </p:sp>
+      <p:sp>
+        <p:nvSpPr>
+          <p:cNvPr id="23" name="矩形 22"/>
+          <p:cNvSpPr/>
+          <p:nvPr/>
+        </p:nvSpPr>
+        <p:spPr>
+          <a:xfrm>
+            <a:off x="2412582" y="1592075"/>
+            <a:ext cx="675599" cy="289560"/>
+          </a:xfrm>
+          <a:prstGeom prst="rect">
+            <a:avLst/>
+          </a:prstGeom>
+          <a:solidFill>
+            <a:schemeClr val="bg1"/>
+          </a:solidFill>
+          <a:ln>
+            <a:noFill/>
+          </a:ln>
+        </p:spPr>
+        <p:style>
+          <a:lnRef idx="2">
+            <a:schemeClr val="accent1">
+              <a:shade val="50000"/>
+            </a:schemeClr>
+          </a:lnRef>
+          <a:fillRef idx="1">
+            <a:schemeClr val="accent1"/>
+          </a:fillRef>
+          <a:effectRef idx="0">
+            <a:schemeClr val="accent1"/>
+          </a:effectRef>
+          <a:fontRef idx="minor">
+            <a:schemeClr val="lt1"/>
+          </a:fontRef>
+        </p:style>
+        <p:txBody>
+          <a:bodyPr rtlCol="0" anchor="ctr"/>
+          <a:lstStyle/>
+          <a:p>
+            <a:pPr algn="ctr"/>
+            <a:endParaRPr lang="zh-CN" altLang="en-US"/>
+          </a:p>
+        </p:txBody>
+      </p:sp>
+      <p:sp>
+        <p:nvSpPr>
+          <p:cNvPr id="24" name="文本框 23"/>
+          <p:cNvSpPr txBox="1"/>
+          <p:nvPr/>
+        </p:nvSpPr>
+        <p:spPr>
+          <a:xfrm>
+            <a:off x="2557266" y="1618689"/>
+            <a:ext cx="530915" cy="230832"/>
+          </a:xfrm>
+          <a:prstGeom prst="rect">
+            <a:avLst/>
+          </a:prstGeom>
+          <a:noFill/>
+        </p:spPr>
+        <p:txBody>
+          <a:bodyPr wrap="none" rtlCol="0">
+            <a:spAutoFit/>
+          </a:bodyPr>
+          <a:lstStyle/>
+          <a:p>
+            <a:r>
+              <a:rPr lang="zh-CN" altLang="en-US" sz="900" dirty="0" smtClean="0">
+                <a:solidFill>
+                  <a:schemeClr val="bg1">
+                    <a:lumMod val="75000"/>
+                  </a:schemeClr>
+                </a:solidFill>
+              </a:rPr>
+              <a:t>条评论</a:t>
+            </a:r>
+            <a:endParaRPr lang="zh-CN" altLang="en-US" sz="900" dirty="0">
+              <a:solidFill>
+                <a:schemeClr val="bg1">
+                  <a:lumMod val="75000"/>
+                </a:schemeClr>
+              </a:solidFill>
+            </a:endParaRPr>
           </a:p>
         </p:txBody>
       </p:sp>
@@ -3402,6 +3886,970 @@
     <p:extLst>
       <p:ext uri="{BB962C8B-B14F-4D97-AF65-F5344CB8AC3E}">
         <p14:creationId xmlns:p14="http://schemas.microsoft.com/office/powerpoint/2010/main" val="1742866927"/>
+      </p:ext>
+    </p:extLst>
+  </p:cSld>
+  <p:clrMapOvr>
+    <a:masterClrMapping/>
+  </p:clrMapOvr>
+</p:sld>
+</file>
+
+<file path=ppt/slides/slide2.xml><?xml version="1.0" encoding="utf-8"?>
+<p:sld xmlns:a="http://schemas.openxmlformats.org/drawingml/2006/main" xmlns:r="http://schemas.openxmlformats.org/officeDocument/2006/relationships" xmlns:p="http://schemas.openxmlformats.org/presentationml/2006/main">
+  <p:cSld>
+    <p:spTree>
+      <p:nvGrpSpPr>
+        <p:cNvPr id="1" name=""/>
+        <p:cNvGrpSpPr/>
+        <p:nvPr/>
+      </p:nvGrpSpPr>
+      <p:grpSpPr>
+        <a:xfrm>
+          <a:off x="0" y="0"/>
+          <a:ext cx="0" cy="0"/>
+          <a:chOff x="0" y="0"/>
+          <a:chExt cx="0" cy="0"/>
+        </a:xfrm>
+      </p:grpSpPr>
+      <p:sp>
+        <p:nvSpPr>
+          <p:cNvPr id="6" name="文本框 5"/>
+          <p:cNvSpPr txBox="1"/>
+          <p:nvPr/>
+        </p:nvSpPr>
+        <p:spPr>
+          <a:xfrm>
+            <a:off x="886968" y="749808"/>
+            <a:ext cx="1832553" cy="1200329"/>
+          </a:xfrm>
+          <a:prstGeom prst="rect">
+            <a:avLst/>
+          </a:prstGeom>
+          <a:noFill/>
+        </p:spPr>
+        <p:txBody>
+          <a:bodyPr wrap="none" rtlCol="0">
+            <a:spAutoFit/>
+          </a:bodyPr>
+          <a:lstStyle/>
+          <a:p>
+            <a:pPr algn="just"/>
+            <a:r>
+              <a:rPr lang="zh-CN" altLang="en-US" dirty="0"/>
+              <a:t>嘉定</a:t>
+            </a:r>
+            <a:endParaRPr lang="en-US" altLang="zh-CN" dirty="0" smtClean="0"/>
+          </a:p>
+          <a:p>
+            <a:pPr algn="just"/>
+            <a:r>
+              <a:rPr lang="zh-CN" altLang="en-US" dirty="0" smtClean="0"/>
+              <a:t>线上线下</a:t>
+            </a:r>
+            <a:endParaRPr lang="en-US" altLang="zh-CN" dirty="0" smtClean="0"/>
+          </a:p>
+          <a:p>
+            <a:pPr algn="just"/>
+            <a:r>
+              <a:rPr lang="zh-CN" altLang="en-US" dirty="0" smtClean="0"/>
+              <a:t>初级</a:t>
+            </a:r>
+            <a:r>
+              <a:rPr lang="en-US" altLang="zh-CN" dirty="0" smtClean="0"/>
+              <a:t>1-3</a:t>
+            </a:r>
+            <a:r>
+              <a:rPr lang="zh-CN" altLang="en-US" dirty="0" smtClean="0"/>
+              <a:t>级：</a:t>
+            </a:r>
+            <a:r>
+              <a:rPr lang="en-US" altLang="zh-CN" dirty="0" smtClean="0"/>
+              <a:t>180</a:t>
+            </a:r>
+          </a:p>
+          <a:p>
+            <a:pPr algn="just"/>
+            <a:r>
+              <a:rPr lang="en-US" altLang="zh-CN" dirty="0" smtClean="0"/>
+              <a:t>10</a:t>
+            </a:r>
+            <a:r>
+              <a:rPr lang="zh-CN" altLang="en-US" dirty="0" smtClean="0"/>
+              <a:t>级：</a:t>
+            </a:r>
+            <a:r>
+              <a:rPr lang="en-US" altLang="zh-CN" dirty="0" smtClean="0"/>
+              <a:t>230</a:t>
+            </a:r>
+          </a:p>
+        </p:txBody>
+      </p:sp>
+      <p:sp>
+        <p:nvSpPr>
+          <p:cNvPr id="25" name="文本框 24"/>
+          <p:cNvSpPr txBox="1"/>
+          <p:nvPr/>
+        </p:nvSpPr>
+        <p:spPr>
+          <a:xfrm>
+            <a:off x="2719521" y="749808"/>
+            <a:ext cx="1832553" cy="1200329"/>
+          </a:xfrm>
+          <a:prstGeom prst="rect">
+            <a:avLst/>
+          </a:prstGeom>
+          <a:noFill/>
+        </p:spPr>
+        <p:txBody>
+          <a:bodyPr wrap="none" rtlCol="0">
+            <a:spAutoFit/>
+          </a:bodyPr>
+          <a:lstStyle/>
+          <a:p>
+            <a:pPr algn="just"/>
+            <a:r>
+              <a:rPr lang="zh-CN" altLang="en-US" dirty="0" smtClean="0"/>
+              <a:t>知音</a:t>
+            </a:r>
+            <a:endParaRPr lang="en-US" altLang="zh-CN" dirty="0" smtClean="0"/>
+          </a:p>
+          <a:p>
+            <a:pPr algn="just"/>
+            <a:r>
+              <a:rPr lang="zh-CN" altLang="en-US" dirty="0" smtClean="0"/>
+              <a:t>线上线下</a:t>
+            </a:r>
+            <a:endParaRPr lang="en-US" altLang="zh-CN" dirty="0" smtClean="0"/>
+          </a:p>
+          <a:p>
+            <a:pPr algn="just"/>
+            <a:r>
+              <a:rPr lang="zh-CN" altLang="en-US" dirty="0" smtClean="0"/>
+              <a:t>初级</a:t>
+            </a:r>
+            <a:r>
+              <a:rPr lang="en-US" altLang="zh-CN" dirty="0" smtClean="0"/>
+              <a:t>1-3</a:t>
+            </a:r>
+            <a:r>
+              <a:rPr lang="zh-CN" altLang="en-US" dirty="0" smtClean="0"/>
+              <a:t>级：</a:t>
+            </a:r>
+            <a:r>
+              <a:rPr lang="en-US" altLang="zh-CN" dirty="0" smtClean="0"/>
+              <a:t>270</a:t>
+            </a:r>
+          </a:p>
+          <a:p>
+            <a:pPr algn="just"/>
+            <a:r>
+              <a:rPr lang="en-US" altLang="zh-CN" dirty="0" smtClean="0"/>
+              <a:t>10</a:t>
+            </a:r>
+            <a:r>
+              <a:rPr lang="zh-CN" altLang="en-US" dirty="0" smtClean="0"/>
+              <a:t>级：</a:t>
+            </a:r>
+            <a:r>
+              <a:rPr lang="en-US" altLang="zh-CN" dirty="0" smtClean="0"/>
+              <a:t>370</a:t>
+            </a:r>
+          </a:p>
+        </p:txBody>
+      </p:sp>
+      <p:sp>
+        <p:nvSpPr>
+          <p:cNvPr id="18" name="文本框 17"/>
+          <p:cNvSpPr txBox="1"/>
+          <p:nvPr/>
+        </p:nvSpPr>
+        <p:spPr>
+          <a:xfrm>
+            <a:off x="886968" y="2882825"/>
+            <a:ext cx="1107996" cy="369332"/>
+          </a:xfrm>
+          <a:prstGeom prst="rect">
+            <a:avLst/>
+          </a:prstGeom>
+          <a:noFill/>
+        </p:spPr>
+        <p:txBody>
+          <a:bodyPr wrap="none" rtlCol="0">
+            <a:spAutoFit/>
+          </a:bodyPr>
+          <a:lstStyle/>
+          <a:p>
+            <a:pPr algn="just"/>
+            <a:r>
+              <a:rPr lang="zh-CN" altLang="en-US" dirty="0" smtClean="0"/>
+              <a:t>线上陪练</a:t>
+            </a:r>
+            <a:endParaRPr lang="zh-CN" altLang="en-US" dirty="0"/>
+          </a:p>
+        </p:txBody>
+      </p:sp>
+      <p:sp>
+        <p:nvSpPr>
+          <p:cNvPr id="22" name="文本框 21"/>
+          <p:cNvSpPr txBox="1"/>
+          <p:nvPr/>
+        </p:nvSpPr>
+        <p:spPr>
+          <a:xfrm>
+            <a:off x="2240280" y="2505456"/>
+            <a:ext cx="1338828" cy="369332"/>
+          </a:xfrm>
+          <a:prstGeom prst="rect">
+            <a:avLst/>
+          </a:prstGeom>
+          <a:noFill/>
+        </p:spPr>
+        <p:txBody>
+          <a:bodyPr wrap="none" rtlCol="0">
+            <a:spAutoFit/>
+          </a:bodyPr>
+          <a:lstStyle/>
+          <a:p>
+            <a:r>
+              <a:rPr lang="zh-CN" altLang="en-US" dirty="0" smtClean="0"/>
+              <a:t>教师资格证</a:t>
+            </a:r>
+            <a:endParaRPr lang="zh-CN" altLang="en-US" dirty="0"/>
+          </a:p>
+        </p:txBody>
+      </p:sp>
+      <p:sp>
+        <p:nvSpPr>
+          <p:cNvPr id="26" name="文本框 25"/>
+          <p:cNvSpPr txBox="1"/>
+          <p:nvPr/>
+        </p:nvSpPr>
+        <p:spPr>
+          <a:xfrm>
+            <a:off x="2240280" y="2906471"/>
+            <a:ext cx="877163" cy="369332"/>
+          </a:xfrm>
+          <a:prstGeom prst="rect">
+            <a:avLst/>
+          </a:prstGeom>
+          <a:noFill/>
+        </p:spPr>
+        <p:txBody>
+          <a:bodyPr wrap="none" rtlCol="0">
+            <a:spAutoFit/>
+          </a:bodyPr>
+          <a:lstStyle/>
+          <a:p>
+            <a:r>
+              <a:rPr lang="zh-CN" altLang="en-US" dirty="0" smtClean="0"/>
+              <a:t>研究生</a:t>
+            </a:r>
+            <a:endParaRPr lang="zh-CN" altLang="en-US" dirty="0"/>
+          </a:p>
+        </p:txBody>
+      </p:sp>
+      <p:sp>
+        <p:nvSpPr>
+          <p:cNvPr id="27" name="文本框 26"/>
+          <p:cNvSpPr txBox="1"/>
+          <p:nvPr/>
+        </p:nvSpPr>
+        <p:spPr>
+          <a:xfrm>
+            <a:off x="2240279" y="3308593"/>
+            <a:ext cx="877163" cy="369332"/>
+          </a:xfrm>
+          <a:prstGeom prst="rect">
+            <a:avLst/>
+          </a:prstGeom>
+          <a:noFill/>
+        </p:spPr>
+        <p:txBody>
+          <a:bodyPr wrap="none" rtlCol="0">
+            <a:spAutoFit/>
+          </a:bodyPr>
+          <a:lstStyle/>
+          <a:p>
+            <a:r>
+              <a:rPr lang="zh-CN" altLang="en-US" dirty="0" smtClean="0"/>
+              <a:t>研究生</a:t>
+            </a:r>
+            <a:endParaRPr lang="zh-CN" altLang="en-US" dirty="0"/>
+          </a:p>
+        </p:txBody>
+      </p:sp>
+      <p:sp>
+        <p:nvSpPr>
+          <p:cNvPr id="29" name="文本框 28"/>
+          <p:cNvSpPr txBox="1"/>
+          <p:nvPr/>
+        </p:nvSpPr>
+        <p:spPr>
+          <a:xfrm>
+            <a:off x="4626895" y="2209276"/>
+            <a:ext cx="780983" cy="369332"/>
+          </a:xfrm>
+          <a:prstGeom prst="rect">
+            <a:avLst/>
+          </a:prstGeom>
+          <a:noFill/>
+        </p:spPr>
+        <p:txBody>
+          <a:bodyPr wrap="none" rtlCol="0">
+            <a:spAutoFit/>
+          </a:bodyPr>
+          <a:lstStyle/>
+          <a:p>
+            <a:r>
+              <a:rPr lang="en-US" altLang="zh-CN" dirty="0" smtClean="0"/>
+              <a:t>140</a:t>
+            </a:r>
+            <a:r>
+              <a:rPr lang="zh-CN" altLang="en-US" dirty="0" smtClean="0"/>
+              <a:t>元</a:t>
+            </a:r>
+            <a:endParaRPr lang="zh-CN" altLang="en-US" dirty="0"/>
+          </a:p>
+        </p:txBody>
+      </p:sp>
+      <p:sp>
+        <p:nvSpPr>
+          <p:cNvPr id="30" name="右箭头 29"/>
+          <p:cNvSpPr/>
+          <p:nvPr/>
+        </p:nvSpPr>
+        <p:spPr>
+          <a:xfrm>
+            <a:off x="3922776" y="2578608"/>
+            <a:ext cx="2468880" cy="192024"/>
+          </a:xfrm>
+          <a:prstGeom prst="rightArrow">
+            <a:avLst/>
+          </a:prstGeom>
+        </p:spPr>
+        <p:style>
+          <a:lnRef idx="2">
+            <a:schemeClr val="accent1">
+              <a:shade val="50000"/>
+            </a:schemeClr>
+          </a:lnRef>
+          <a:fillRef idx="1">
+            <a:schemeClr val="accent1"/>
+          </a:fillRef>
+          <a:effectRef idx="0">
+            <a:schemeClr val="accent1"/>
+          </a:effectRef>
+          <a:fontRef idx="minor">
+            <a:schemeClr val="lt1"/>
+          </a:fontRef>
+        </p:style>
+        <p:txBody>
+          <a:bodyPr rtlCol="0" anchor="ctr"/>
+          <a:lstStyle/>
+          <a:p>
+            <a:pPr algn="ctr"/>
+            <a:endParaRPr lang="zh-CN" altLang="en-US"/>
+          </a:p>
+        </p:txBody>
+      </p:sp>
+      <p:sp>
+        <p:nvSpPr>
+          <p:cNvPr id="31" name="文本框 30"/>
+          <p:cNvSpPr txBox="1"/>
+          <p:nvPr/>
+        </p:nvSpPr>
+        <p:spPr>
+          <a:xfrm>
+            <a:off x="4633307" y="2770632"/>
+            <a:ext cx="774571" cy="369332"/>
+          </a:xfrm>
+          <a:prstGeom prst="rect">
+            <a:avLst/>
+          </a:prstGeom>
+          <a:noFill/>
+        </p:spPr>
+        <p:txBody>
+          <a:bodyPr wrap="none" rtlCol="0">
+            <a:spAutoFit/>
+          </a:bodyPr>
+          <a:lstStyle/>
+          <a:p>
+            <a:r>
+              <a:rPr lang="en-US" altLang="zh-CN" dirty="0" smtClean="0"/>
+              <a:t>1-3</a:t>
+            </a:r>
+            <a:r>
+              <a:rPr lang="zh-CN" altLang="en-US" dirty="0" smtClean="0"/>
+              <a:t>年</a:t>
+            </a:r>
+            <a:endParaRPr lang="zh-CN" altLang="en-US" dirty="0"/>
+          </a:p>
+        </p:txBody>
+      </p:sp>
+      <p:sp>
+        <p:nvSpPr>
+          <p:cNvPr id="32" name="文本框 31"/>
+          <p:cNvSpPr txBox="1"/>
+          <p:nvPr/>
+        </p:nvSpPr>
+        <p:spPr>
+          <a:xfrm>
+            <a:off x="6934981" y="2505456"/>
+            <a:ext cx="1031051" cy="369332"/>
+          </a:xfrm>
+          <a:prstGeom prst="rect">
+            <a:avLst/>
+          </a:prstGeom>
+          <a:noFill/>
+        </p:spPr>
+        <p:txBody>
+          <a:bodyPr wrap="none" rtlCol="0">
+            <a:spAutoFit/>
+          </a:bodyPr>
+          <a:lstStyle/>
+          <a:p>
+            <a:r>
+              <a:rPr lang="en-US" altLang="zh-CN" dirty="0" smtClean="0"/>
+              <a:t>200-230</a:t>
+            </a:r>
+            <a:endParaRPr lang="zh-CN" altLang="en-US" dirty="0"/>
+          </a:p>
+        </p:txBody>
+      </p:sp>
+      <p:sp>
+        <p:nvSpPr>
+          <p:cNvPr id="33" name="右箭头 32"/>
+          <p:cNvSpPr/>
+          <p:nvPr/>
+        </p:nvSpPr>
+        <p:spPr>
+          <a:xfrm>
+            <a:off x="3364992" y="3067491"/>
+            <a:ext cx="3026664" cy="184666"/>
+          </a:xfrm>
+          <a:prstGeom prst="rightArrow">
+            <a:avLst/>
+          </a:prstGeom>
+        </p:spPr>
+        <p:style>
+          <a:lnRef idx="2">
+            <a:schemeClr val="accent1">
+              <a:shade val="50000"/>
+            </a:schemeClr>
+          </a:lnRef>
+          <a:fillRef idx="1">
+            <a:schemeClr val="accent1"/>
+          </a:fillRef>
+          <a:effectRef idx="0">
+            <a:schemeClr val="accent1"/>
+          </a:effectRef>
+          <a:fontRef idx="minor">
+            <a:schemeClr val="lt1"/>
+          </a:fontRef>
+        </p:style>
+        <p:txBody>
+          <a:bodyPr rtlCol="0" anchor="ctr"/>
+          <a:lstStyle/>
+          <a:p>
+            <a:pPr algn="ctr"/>
+            <a:endParaRPr lang="zh-CN" altLang="en-US"/>
+          </a:p>
+        </p:txBody>
+      </p:sp>
+      <p:sp>
+        <p:nvSpPr>
+          <p:cNvPr id="34" name="文本框 33"/>
+          <p:cNvSpPr txBox="1"/>
+          <p:nvPr/>
+        </p:nvSpPr>
+        <p:spPr>
+          <a:xfrm>
+            <a:off x="6934981" y="2975158"/>
+            <a:ext cx="1031051" cy="369332"/>
+          </a:xfrm>
+          <a:prstGeom prst="rect">
+            <a:avLst/>
+          </a:prstGeom>
+          <a:noFill/>
+        </p:spPr>
+        <p:txBody>
+          <a:bodyPr wrap="none" rtlCol="0">
+            <a:spAutoFit/>
+          </a:bodyPr>
+          <a:lstStyle/>
+          <a:p>
+            <a:r>
+              <a:rPr lang="en-US" altLang="zh-CN" dirty="0" smtClean="0"/>
+              <a:t>220-240</a:t>
+            </a:r>
+            <a:endParaRPr lang="zh-CN" altLang="en-US" dirty="0"/>
+          </a:p>
+        </p:txBody>
+      </p:sp>
+      <p:sp>
+        <p:nvSpPr>
+          <p:cNvPr id="35" name="文本框 34"/>
+          <p:cNvSpPr txBox="1"/>
+          <p:nvPr/>
+        </p:nvSpPr>
+        <p:spPr>
+          <a:xfrm>
+            <a:off x="1117800" y="4701411"/>
+            <a:ext cx="646331" cy="369332"/>
+          </a:xfrm>
+          <a:prstGeom prst="rect">
+            <a:avLst/>
+          </a:prstGeom>
+          <a:noFill/>
+        </p:spPr>
+        <p:txBody>
+          <a:bodyPr wrap="none" rtlCol="0">
+            <a:spAutoFit/>
+          </a:bodyPr>
+          <a:lstStyle/>
+          <a:p>
+            <a:pPr algn="just"/>
+            <a:r>
+              <a:rPr lang="zh-CN" altLang="en-US" dirty="0" smtClean="0"/>
+              <a:t>线下</a:t>
+            </a:r>
+            <a:endParaRPr lang="zh-CN" altLang="en-US" dirty="0"/>
+          </a:p>
+        </p:txBody>
+      </p:sp>
+      <p:sp>
+        <p:nvSpPr>
+          <p:cNvPr id="36" name="文本框 35"/>
+          <p:cNvSpPr txBox="1"/>
+          <p:nvPr/>
+        </p:nvSpPr>
+        <p:spPr>
+          <a:xfrm>
+            <a:off x="2120812" y="4179583"/>
+            <a:ext cx="646331" cy="369332"/>
+          </a:xfrm>
+          <a:prstGeom prst="rect">
+            <a:avLst/>
+          </a:prstGeom>
+          <a:noFill/>
+        </p:spPr>
+        <p:txBody>
+          <a:bodyPr wrap="none" rtlCol="0">
+            <a:spAutoFit/>
+          </a:bodyPr>
+          <a:lstStyle/>
+          <a:p>
+            <a:r>
+              <a:rPr lang="zh-CN" altLang="en-US" dirty="0" smtClean="0"/>
+              <a:t>场地</a:t>
+            </a:r>
+            <a:endParaRPr lang="zh-CN" altLang="en-US" dirty="0"/>
+          </a:p>
+        </p:txBody>
+      </p:sp>
+      <p:sp>
+        <p:nvSpPr>
+          <p:cNvPr id="37" name="文本框 36"/>
+          <p:cNvSpPr txBox="1"/>
+          <p:nvPr/>
+        </p:nvSpPr>
+        <p:spPr>
+          <a:xfrm>
+            <a:off x="2120812" y="4701411"/>
+            <a:ext cx="1338828" cy="369332"/>
+          </a:xfrm>
+          <a:prstGeom prst="rect">
+            <a:avLst/>
+          </a:prstGeom>
+          <a:noFill/>
+        </p:spPr>
+        <p:txBody>
+          <a:bodyPr wrap="none" rtlCol="0">
+            <a:spAutoFit/>
+          </a:bodyPr>
+          <a:lstStyle/>
+          <a:p>
+            <a:r>
+              <a:rPr lang="zh-CN" altLang="en-US" dirty="0" smtClean="0"/>
+              <a:t>第一批学生</a:t>
+            </a:r>
+            <a:endParaRPr lang="zh-CN" altLang="en-US" dirty="0"/>
+          </a:p>
+        </p:txBody>
+      </p:sp>
+      <p:sp>
+        <p:nvSpPr>
+          <p:cNvPr id="38" name="右箭头 37"/>
+          <p:cNvSpPr/>
+          <p:nvPr/>
+        </p:nvSpPr>
+        <p:spPr>
+          <a:xfrm>
+            <a:off x="3767328" y="4782312"/>
+            <a:ext cx="2624328" cy="182880"/>
+          </a:xfrm>
+          <a:prstGeom prst="rightArrow">
+            <a:avLst/>
+          </a:prstGeom>
+        </p:spPr>
+        <p:style>
+          <a:lnRef idx="2">
+            <a:schemeClr val="accent1">
+              <a:shade val="50000"/>
+            </a:schemeClr>
+          </a:lnRef>
+          <a:fillRef idx="1">
+            <a:schemeClr val="accent1"/>
+          </a:fillRef>
+          <a:effectRef idx="0">
+            <a:schemeClr val="accent1"/>
+          </a:effectRef>
+          <a:fontRef idx="minor">
+            <a:schemeClr val="lt1"/>
+          </a:fontRef>
+        </p:style>
+        <p:txBody>
+          <a:bodyPr rtlCol="0" anchor="ctr"/>
+          <a:lstStyle/>
+          <a:p>
+            <a:pPr algn="ctr"/>
+            <a:endParaRPr lang="zh-CN" altLang="en-US"/>
+          </a:p>
+        </p:txBody>
+      </p:sp>
+      <p:sp>
+        <p:nvSpPr>
+          <p:cNvPr id="39" name="文本框 38"/>
+          <p:cNvSpPr txBox="1"/>
+          <p:nvPr/>
+        </p:nvSpPr>
+        <p:spPr>
+          <a:xfrm>
+            <a:off x="4692206" y="4481335"/>
+            <a:ext cx="774571" cy="369332"/>
+          </a:xfrm>
+          <a:prstGeom prst="rect">
+            <a:avLst/>
+          </a:prstGeom>
+          <a:noFill/>
+        </p:spPr>
+        <p:txBody>
+          <a:bodyPr wrap="none" rtlCol="0">
+            <a:spAutoFit/>
+          </a:bodyPr>
+          <a:lstStyle/>
+          <a:p>
+            <a:r>
+              <a:rPr lang="en-US" altLang="zh-CN" dirty="0" smtClean="0"/>
+              <a:t>1-2</a:t>
+            </a:r>
+            <a:r>
+              <a:rPr lang="zh-CN" altLang="en-US" dirty="0" smtClean="0"/>
+              <a:t>年</a:t>
+            </a:r>
+            <a:endParaRPr lang="zh-CN" altLang="en-US" dirty="0"/>
+          </a:p>
+        </p:txBody>
+      </p:sp>
+      <p:sp>
+        <p:nvSpPr>
+          <p:cNvPr id="40" name="文本框 39"/>
+          <p:cNvSpPr txBox="1"/>
+          <p:nvPr/>
+        </p:nvSpPr>
+        <p:spPr>
+          <a:xfrm>
+            <a:off x="466344" y="4364249"/>
+            <a:ext cx="543739" cy="369332"/>
+          </a:xfrm>
+          <a:prstGeom prst="rect">
+            <a:avLst/>
+          </a:prstGeom>
+          <a:noFill/>
+        </p:spPr>
+        <p:txBody>
+          <a:bodyPr wrap="none" rtlCol="0">
+            <a:spAutoFit/>
+          </a:bodyPr>
+          <a:lstStyle/>
+          <a:p>
+            <a:r>
+              <a:rPr lang="en-US" altLang="zh-CN" dirty="0" smtClean="0"/>
+              <a:t>50%</a:t>
+            </a:r>
+            <a:endParaRPr lang="zh-CN" altLang="en-US" dirty="0"/>
+          </a:p>
+        </p:txBody>
+      </p:sp>
+      <p:sp>
+        <p:nvSpPr>
+          <p:cNvPr id="41" name="文本框 40"/>
+          <p:cNvSpPr txBox="1"/>
+          <p:nvPr/>
+        </p:nvSpPr>
+        <p:spPr>
+          <a:xfrm>
+            <a:off x="3092058" y="4179583"/>
+            <a:ext cx="543739" cy="369332"/>
+          </a:xfrm>
+          <a:prstGeom prst="rect">
+            <a:avLst/>
+          </a:prstGeom>
+          <a:noFill/>
+        </p:spPr>
+        <p:txBody>
+          <a:bodyPr wrap="none" rtlCol="0">
+            <a:spAutoFit/>
+          </a:bodyPr>
+          <a:lstStyle/>
+          <a:p>
+            <a:r>
+              <a:rPr lang="en-US" altLang="zh-CN" dirty="0" smtClean="0"/>
+              <a:t>50%</a:t>
+            </a:r>
+            <a:endParaRPr lang="zh-CN" altLang="en-US" dirty="0"/>
+          </a:p>
+        </p:txBody>
+      </p:sp>
+      <p:sp>
+        <p:nvSpPr>
+          <p:cNvPr id="42" name="文本框 41"/>
+          <p:cNvSpPr txBox="1"/>
+          <p:nvPr/>
+        </p:nvSpPr>
+        <p:spPr>
+          <a:xfrm>
+            <a:off x="2120812" y="5404104"/>
+            <a:ext cx="646331" cy="369332"/>
+          </a:xfrm>
+          <a:prstGeom prst="rect">
+            <a:avLst/>
+          </a:prstGeom>
+          <a:noFill/>
+        </p:spPr>
+        <p:txBody>
+          <a:bodyPr wrap="none" rtlCol="0">
+            <a:spAutoFit/>
+          </a:bodyPr>
+          <a:lstStyle/>
+          <a:p>
+            <a:r>
+              <a:rPr lang="zh-CN" altLang="en-US" dirty="0" smtClean="0"/>
+              <a:t>招生</a:t>
+            </a:r>
+            <a:endParaRPr lang="zh-CN" altLang="en-US" dirty="0"/>
+          </a:p>
+        </p:txBody>
+      </p:sp>
+      <p:sp>
+        <p:nvSpPr>
+          <p:cNvPr id="43" name="文本框 42"/>
+          <p:cNvSpPr txBox="1"/>
+          <p:nvPr/>
+        </p:nvSpPr>
+        <p:spPr>
+          <a:xfrm>
+            <a:off x="2989466" y="5119725"/>
+            <a:ext cx="646331" cy="369332"/>
+          </a:xfrm>
+          <a:prstGeom prst="rect">
+            <a:avLst/>
+          </a:prstGeom>
+          <a:noFill/>
+        </p:spPr>
+        <p:txBody>
+          <a:bodyPr wrap="none" rtlCol="0">
+            <a:spAutoFit/>
+          </a:bodyPr>
+          <a:lstStyle/>
+          <a:p>
+            <a:r>
+              <a:rPr lang="zh-CN" altLang="en-US" dirty="0" smtClean="0"/>
+              <a:t>熟人</a:t>
+            </a:r>
+            <a:endParaRPr lang="zh-CN" altLang="en-US" dirty="0"/>
+          </a:p>
+        </p:txBody>
+      </p:sp>
+      <p:sp>
+        <p:nvSpPr>
+          <p:cNvPr id="44" name="文本框 43"/>
+          <p:cNvSpPr txBox="1"/>
+          <p:nvPr/>
+        </p:nvSpPr>
+        <p:spPr>
+          <a:xfrm>
+            <a:off x="75135" y="1972396"/>
+            <a:ext cx="2383986" cy="646331"/>
+          </a:xfrm>
+          <a:prstGeom prst="rect">
+            <a:avLst/>
+          </a:prstGeom>
+          <a:noFill/>
+        </p:spPr>
+        <p:txBody>
+          <a:bodyPr wrap="none" rtlCol="0">
+            <a:spAutoFit/>
+          </a:bodyPr>
+          <a:lstStyle/>
+          <a:p>
+            <a:r>
+              <a:rPr lang="en-US" altLang="zh-CN" dirty="0" smtClean="0"/>
+              <a:t>5</a:t>
+            </a:r>
+            <a:r>
+              <a:rPr lang="zh-CN" altLang="en-US" dirty="0" smtClean="0"/>
+              <a:t>人</a:t>
+            </a:r>
+            <a:endParaRPr lang="en-US" altLang="zh-CN" dirty="0" smtClean="0"/>
+          </a:p>
+          <a:p>
+            <a:r>
+              <a:rPr lang="zh-CN" altLang="en-US" dirty="0" smtClean="0"/>
+              <a:t>超过</a:t>
+            </a:r>
+            <a:r>
+              <a:rPr lang="en-US" altLang="zh-CN" dirty="0" smtClean="0"/>
+              <a:t>5</a:t>
+            </a:r>
+            <a:r>
+              <a:rPr lang="zh-CN" altLang="en-US" dirty="0" smtClean="0"/>
+              <a:t>人的部分招老师</a:t>
+            </a:r>
+            <a:endParaRPr lang="zh-CN" altLang="en-US" dirty="0"/>
+          </a:p>
+        </p:txBody>
+      </p:sp>
+      <p:sp>
+        <p:nvSpPr>
+          <p:cNvPr id="45" name="文本框 44"/>
+          <p:cNvSpPr txBox="1"/>
+          <p:nvPr/>
+        </p:nvSpPr>
+        <p:spPr>
+          <a:xfrm>
+            <a:off x="5951203" y="557105"/>
+            <a:ext cx="2056973" cy="646331"/>
+          </a:xfrm>
+          <a:prstGeom prst="rect">
+            <a:avLst/>
+          </a:prstGeom>
+          <a:noFill/>
+        </p:spPr>
+        <p:txBody>
+          <a:bodyPr wrap="none" rtlCol="0">
+            <a:spAutoFit/>
+          </a:bodyPr>
+          <a:lstStyle/>
+          <a:p>
+            <a:r>
+              <a:rPr lang="en-US" altLang="zh-CN" dirty="0" smtClean="0"/>
+              <a:t>100======1</a:t>
+            </a:r>
+            <a:r>
+              <a:rPr lang="zh-CN" altLang="en-US" dirty="0" smtClean="0"/>
+              <a:t>小时</a:t>
+            </a:r>
+            <a:endParaRPr lang="en-US" altLang="zh-CN" dirty="0" smtClean="0"/>
+          </a:p>
+          <a:p>
+            <a:r>
+              <a:rPr lang="en-US" altLang="zh-CN" dirty="0" smtClean="0"/>
+              <a:t>50===0</a:t>
+            </a:r>
+            <a:r>
+              <a:rPr lang="zh-CN" altLang="en-US" dirty="0" smtClean="0"/>
+              <a:t>小时</a:t>
+            </a:r>
+            <a:endParaRPr lang="zh-CN" altLang="en-US" dirty="0"/>
+          </a:p>
+        </p:txBody>
+      </p:sp>
+      <p:sp>
+        <p:nvSpPr>
+          <p:cNvPr id="46" name="文本框 45"/>
+          <p:cNvSpPr txBox="1"/>
+          <p:nvPr/>
+        </p:nvSpPr>
+        <p:spPr>
+          <a:xfrm>
+            <a:off x="5945277" y="1874122"/>
+            <a:ext cx="774571" cy="369332"/>
+          </a:xfrm>
+          <a:prstGeom prst="rect">
+            <a:avLst/>
+          </a:prstGeom>
+          <a:noFill/>
+        </p:spPr>
+        <p:txBody>
+          <a:bodyPr wrap="none" rtlCol="0">
+            <a:spAutoFit/>
+          </a:bodyPr>
+          <a:lstStyle/>
+          <a:p>
+            <a:r>
+              <a:rPr lang="en-US" altLang="zh-CN" dirty="0" smtClean="0"/>
+              <a:t>4-6</a:t>
+            </a:r>
+            <a:r>
+              <a:rPr lang="zh-CN" altLang="en-US" dirty="0" smtClean="0"/>
+              <a:t>次</a:t>
+            </a:r>
+            <a:endParaRPr lang="zh-CN" altLang="en-US" dirty="0"/>
+          </a:p>
+        </p:txBody>
+      </p:sp>
+      <p:sp>
+        <p:nvSpPr>
+          <p:cNvPr id="47" name="文本框 46"/>
+          <p:cNvSpPr txBox="1"/>
+          <p:nvPr/>
+        </p:nvSpPr>
+        <p:spPr>
+          <a:xfrm>
+            <a:off x="2989466" y="5489057"/>
+            <a:ext cx="2635658" cy="369332"/>
+          </a:xfrm>
+          <a:prstGeom prst="rect">
+            <a:avLst/>
+          </a:prstGeom>
+          <a:noFill/>
+        </p:spPr>
+        <p:txBody>
+          <a:bodyPr wrap="none" rtlCol="0">
+            <a:spAutoFit/>
+          </a:bodyPr>
+          <a:lstStyle/>
+          <a:p>
+            <a:r>
+              <a:rPr lang="zh-CN" altLang="en-US" dirty="0" smtClean="0"/>
+              <a:t>论坛（知乎、</a:t>
+            </a:r>
+            <a:r>
+              <a:rPr lang="en-US" altLang="zh-CN" dirty="0" smtClean="0"/>
+              <a:t>b</a:t>
+            </a:r>
+            <a:r>
+              <a:rPr lang="zh-CN" altLang="en-US" dirty="0" smtClean="0"/>
+              <a:t>站、</a:t>
+            </a:r>
+            <a:r>
+              <a:rPr lang="en-US" altLang="zh-CN" dirty="0" err="1" smtClean="0"/>
+              <a:t>dy</a:t>
+            </a:r>
+            <a:r>
+              <a:rPr lang="zh-CN" altLang="en-US" dirty="0" smtClean="0"/>
+              <a:t>）</a:t>
+            </a:r>
+            <a:endParaRPr lang="zh-CN" altLang="en-US" dirty="0"/>
+          </a:p>
+        </p:txBody>
+      </p:sp>
+    </p:spTree>
+    <p:extLst>
+      <p:ext uri="{BB962C8B-B14F-4D97-AF65-F5344CB8AC3E}">
+        <p14:creationId xmlns:p14="http://schemas.microsoft.com/office/powerpoint/2010/main" val="3756063181"/>
       </p:ext>
     </p:extLst>
   </p:cSld>
